--- a/content/I-Graph/I-Graph.pptx
+++ b/content/I-Graph/I-Graph.pptx
@@ -157,7 +157,7 @@
             <p14:sldId id="257"/>
           </p14:sldIdLst>
         </p14:section>
-        <p14:section name="What Is Key-Value" id="{D21AFCCA-D36A-44F3-9F02-EDEEC5B741E0}">
+        <p14:section name="What Is Graph" id="{D21AFCCA-D36A-44F3-9F02-EDEEC5B741E0}">
           <p14:sldIdLst>
             <p14:sldId id="953"/>
             <p14:sldId id="952"/>
@@ -308,7 +308,7 @@
           <a:p>
             <a:fld id="{7431BCA4-1900-4BDF-853C-1064A083EECB}" type="datetimeFigureOut">
               <a:rPr lang="en-US" smtClean="0"/>
-              <a:t>11/2/2021</a:t>
+              <a:t>11/4/2021</a:t>
             </a:fld>
             <a:endParaRPr lang="en-US"/>
           </a:p>
@@ -4047,7 +4047,7 @@
           <a:p>
             <a:fld id="{D8FC982F-3C14-465F-B483-5A8711A994AE}" type="datetimeFigureOut">
               <a:rPr lang="en-US" smtClean="0"/>
-              <a:t>11/2/2021</a:t>
+              <a:t>11/4/2021</a:t>
             </a:fld>
             <a:endParaRPr lang="en-US" dirty="0"/>
           </a:p>
@@ -4833,7 +4833,7 @@
           <a:p>
             <a:fld id="{D8FC982F-3C14-465F-B483-5A8711A994AE}" type="datetimeFigureOut">
               <a:rPr lang="en-US" smtClean="0"/>
-              <a:t>11/2/2021</a:t>
+              <a:t>11/4/2021</a:t>
             </a:fld>
             <a:endParaRPr lang="en-US"/>
           </a:p>
@@ -4980,7 +4980,7 @@
           <a:p>
             <a:fld id="{D8FC982F-3C14-465F-B483-5A8711A994AE}" type="datetimeFigureOut">
               <a:rPr lang="en-US" smtClean="0"/>
-              <a:t>11/2/2021</a:t>
+              <a:t>11/4/2021</a:t>
             </a:fld>
             <a:endParaRPr lang="en-US"/>
           </a:p>
@@ -5245,7 +5245,7 @@
           <a:p>
             <a:fld id="{D8FC982F-3C14-465F-B483-5A8711A994AE}" type="datetimeFigureOut">
               <a:rPr lang="en-US" smtClean="0"/>
-              <a:t>11/2/2021</a:t>
+              <a:t>11/4/2021</a:t>
             </a:fld>
             <a:endParaRPr lang="en-US"/>
           </a:p>
@@ -5556,7 +5556,7 @@
           <a:p>
             <a:fld id="{D8FC982F-3C14-465F-B483-5A8711A994AE}" type="datetimeFigureOut">
               <a:rPr lang="en-US" smtClean="0"/>
-              <a:t>11/2/2021</a:t>
+              <a:t>11/4/2021</a:t>
             </a:fld>
             <a:endParaRPr lang="en-US"/>
           </a:p>
@@ -5851,7 +5851,7 @@
           <a:p>
             <a:fld id="{D8FC982F-3C14-465F-B483-5A8711A994AE}" type="datetimeFigureOut">
               <a:rPr lang="en-US" smtClean="0"/>
-              <a:t>11/2/2021</a:t>
+              <a:t>11/4/2021</a:t>
             </a:fld>
             <a:endParaRPr lang="en-US"/>
           </a:p>
@@ -6279,7 +6279,7 @@
           <a:p>
             <a:fld id="{D8FC982F-3C14-465F-B483-5A8711A994AE}" type="datetimeFigureOut">
               <a:rPr lang="en-US" smtClean="0"/>
-              <a:t>11/2/2021</a:t>
+              <a:t>11/4/2021</a:t>
             </a:fld>
             <a:endParaRPr lang="en-US"/>
           </a:p>
@@ -6707,7 +6707,7 @@
           <a:p>
             <a:fld id="{D8FC982F-3C14-465F-B483-5A8711A994AE}" type="datetimeFigureOut">
               <a:rPr lang="en-US" smtClean="0"/>
-              <a:t>11/2/2021</a:t>
+              <a:t>11/4/2021</a:t>
             </a:fld>
             <a:endParaRPr lang="en-US"/>
           </a:p>
@@ -7189,7 +7189,7 @@
           <a:p>
             <a:fld id="{D8FC982F-3C14-465F-B483-5A8711A994AE}" type="datetimeFigureOut">
               <a:rPr lang="en-US" smtClean="0"/>
-              <a:t>11/2/2021</a:t>
+              <a:t>11/4/2021</a:t>
             </a:fld>
             <a:endParaRPr lang="en-US"/>
           </a:p>
@@ -7302,7 +7302,7 @@
           <a:p>
             <a:fld id="{D8FC982F-3C14-465F-B483-5A8711A994AE}" type="datetimeFigureOut">
               <a:rPr lang="en-US" smtClean="0"/>
-              <a:t>11/2/2021</a:t>
+              <a:t>11/4/2021</a:t>
             </a:fld>
             <a:endParaRPr lang="en-US"/>
           </a:p>
@@ -7616,7 +7616,7 @@
           <a:p>
             <a:fld id="{D8FC982F-3C14-465F-B483-5A8711A994AE}" type="datetimeFigureOut">
               <a:rPr lang="en-US" smtClean="0"/>
-              <a:t>11/2/2021</a:t>
+              <a:t>11/4/2021</a:t>
             </a:fld>
             <a:endParaRPr lang="en-US"/>
           </a:p>
@@ -7729,7 +7729,7 @@
           <a:p>
             <a:fld id="{D8FC982F-3C14-465F-B483-5A8711A994AE}" type="datetimeFigureOut">
               <a:rPr lang="en-US" smtClean="0"/>
-              <a:t>11/2/2021</a:t>
+              <a:t>11/4/2021</a:t>
             </a:fld>
             <a:endParaRPr lang="en-US"/>
           </a:p>
@@ -8635,7 +8635,7 @@
           <a:p>
             <a:fld id="{D8FC982F-3C14-465F-B483-5A8711A994AE}" type="datetimeFigureOut">
               <a:rPr lang="en-US" smtClean="0"/>
-              <a:t>11/2/2021</a:t>
+              <a:t>11/4/2021</a:t>
             </a:fld>
             <a:endParaRPr lang="en-US"/>
           </a:p>
@@ -8748,7 +8748,7 @@
           <a:p>
             <a:fld id="{D8FC982F-3C14-465F-B483-5A8711A994AE}" type="datetimeFigureOut">
               <a:rPr lang="en-US" smtClean="0"/>
-              <a:t>11/2/2021</a:t>
+              <a:t>11/4/2021</a:t>
             </a:fld>
             <a:endParaRPr lang="en-US"/>
           </a:p>
@@ -10569,7 +10569,7 @@
           <a:p>
             <a:fld id="{D8FC982F-3C14-465F-B483-5A8711A994AE}" type="datetimeFigureOut">
               <a:rPr lang="en-US" smtClean="0"/>
-              <a:t>11/2/2021</a:t>
+              <a:t>11/4/2021</a:t>
             </a:fld>
             <a:endParaRPr lang="en-US"/>
           </a:p>
@@ -10777,7 +10777,7 @@
           <a:p>
             <a:fld id="{D8FC982F-3C14-465F-B483-5A8711A994AE}" type="datetimeFigureOut">
               <a:rPr lang="en-US" smtClean="0"/>
-              <a:t>11/2/2021</a:t>
+              <a:t>11/4/2021</a:t>
             </a:fld>
             <a:endParaRPr lang="en-US"/>
           </a:p>
@@ -11086,7 +11086,7 @@
           <a:p>
             <a:fld id="{00682357-D158-470D-AD20-0063E9FBD795}" type="datetime1">
               <a:rPr lang="en-US" smtClean="0"/>
-              <a:t>11/2/2021</a:t>
+              <a:t>11/4/2021</a:t>
             </a:fld>
             <a:endParaRPr lang="en-US" dirty="0"/>
           </a:p>
@@ -11693,7 +11693,7 @@
           <a:p>
             <a:fld id="{00682357-D158-470D-AD20-0063E9FBD795}" type="datetime1">
               <a:rPr lang="en-US" smtClean="0"/>
-              <a:t>11/2/2021</a:t>
+              <a:t>11/4/2021</a:t>
             </a:fld>
             <a:endParaRPr lang="en-US" dirty="0"/>
           </a:p>
@@ -12300,7 +12300,7 @@
           <a:p>
             <a:fld id="{00682357-D158-470D-AD20-0063E9FBD795}" type="datetime1">
               <a:rPr lang="en-US" smtClean="0"/>
-              <a:t>11/2/2021</a:t>
+              <a:t>11/4/2021</a:t>
             </a:fld>
             <a:endParaRPr lang="en-US" dirty="0"/>
           </a:p>
@@ -12720,7 +12720,7 @@
           <a:p>
             <a:fld id="{521A7C89-EADD-4531-BAC9-4E0A273DF350}" type="datetime1">
               <a:rPr lang="en-US" smtClean="0"/>
-              <a:t>11/2/2021</a:t>
+              <a:t>11/4/2021</a:t>
             </a:fld>
             <a:endParaRPr lang="en-US" dirty="0"/>
           </a:p>
@@ -13310,7 +13310,7 @@
           <a:p>
             <a:fld id="{00682357-D158-470D-AD20-0063E9FBD795}" type="datetime1">
               <a:rPr lang="en-US" smtClean="0"/>
-              <a:t>11/2/2021</a:t>
+              <a:t>11/4/2021</a:t>
             </a:fld>
             <a:endParaRPr lang="en-US" dirty="0"/>
           </a:p>
@@ -13725,7 +13725,7 @@
           <a:p>
             <a:fld id="{521A7C89-EADD-4531-BAC9-4E0A273DF350}" type="datetime1">
               <a:rPr lang="en-US" smtClean="0"/>
-              <a:t>11/2/2021</a:t>
+              <a:t>11/4/2021</a:t>
             </a:fld>
             <a:endParaRPr lang="en-US" dirty="0"/>
           </a:p>
@@ -14047,7 +14047,7 @@
           <a:p>
             <a:fld id="{D8FC982F-3C14-465F-B483-5A8711A994AE}" type="datetimeFigureOut">
               <a:rPr lang="en-US" smtClean="0"/>
-              <a:t>11/2/2021</a:t>
+              <a:t>11/4/2021</a:t>
             </a:fld>
             <a:endParaRPr lang="en-US"/>
           </a:p>
@@ -14980,7 +14980,7 @@
           <a:p>
             <a:fld id="{D8FC982F-3C14-465F-B483-5A8711A994AE}" type="datetimeFigureOut">
               <a:rPr lang="en-US" smtClean="0"/>
-              <a:t>11/2/2021</a:t>
+              <a:t>11/4/2021</a:t>
             </a:fld>
             <a:endParaRPr lang="en-US" dirty="0"/>
           </a:p>
@@ -16195,7 +16195,7 @@
           <a:p>
             <a:fld id="{D8FC982F-3C14-465F-B483-5A8711A994AE}" type="datetimeFigureOut">
               <a:rPr lang="en-US" smtClean="0"/>
-              <a:t>11/2/2021</a:t>
+              <a:t>11/4/2021</a:t>
             </a:fld>
             <a:endParaRPr lang="en-US"/>
           </a:p>
@@ -16572,7 +16572,7 @@
           <a:p>
             <a:fld id="{D8FC982F-3C14-465F-B483-5A8711A994AE}" type="datetimeFigureOut">
               <a:rPr lang="en-US" smtClean="0"/>
-              <a:t>11/2/2021</a:t>
+              <a:t>11/4/2021</a:t>
             </a:fld>
             <a:endParaRPr lang="en-US"/>
           </a:p>
@@ -17138,7 +17138,7 @@
           <a:p>
             <a:fld id="{D8FC982F-3C14-465F-B483-5A8711A994AE}" type="datetimeFigureOut">
               <a:rPr lang="en-US" smtClean="0"/>
-              <a:t>11/2/2021</a:t>
+              <a:t>11/4/2021</a:t>
             </a:fld>
             <a:endParaRPr lang="en-US"/>
           </a:p>
@@ -17451,7 +17451,7 @@
           <a:p>
             <a:fld id="{D8FC982F-3C14-465F-B483-5A8711A994AE}" type="datetimeFigureOut">
               <a:rPr lang="en-US" smtClean="0"/>
-              <a:t>11/2/2021</a:t>
+              <a:t>11/4/2021</a:t>
             </a:fld>
             <a:endParaRPr lang="en-US"/>
           </a:p>
@@ -17750,7 +17750,7 @@
           <a:p>
             <a:fld id="{D8FC982F-3C14-465F-B483-5A8711A994AE}" type="datetimeFigureOut">
               <a:rPr lang="en-US" smtClean="0"/>
-              <a:t>11/2/2021</a:t>
+              <a:t>11/4/2021</a:t>
             </a:fld>
             <a:endParaRPr lang="en-US"/>
           </a:p>
@@ -17991,7 +17991,7 @@
           <a:p>
             <a:fld id="{D8FC982F-3C14-465F-B483-5A8711A994AE}" type="datetimeFigureOut">
               <a:rPr lang="en-US" smtClean="0"/>
-              <a:t>11/2/2021</a:t>
+              <a:t>11/4/2021</a:t>
             </a:fld>
             <a:endParaRPr lang="en-US"/>
           </a:p>
@@ -21971,13 +21971,30 @@
           <a:p>
             <a:r>
               <a:rPr lang="en-US" dirty="0"/>
-              <a:t>????</a:t>
-            </a:r>
-          </a:p>
-          <a:p>
-            <a:pPr marL="0" indent="0">
-              <a:buNone/>
-            </a:pPr>
+              <a:t>Cipher Query Language</a:t>
+            </a:r>
+          </a:p>
+          <a:p>
+            <a:r>
+              <a:rPr lang="en-US" dirty="0"/>
+              <a:t>Import / Export Data</a:t>
+            </a:r>
+          </a:p>
+          <a:p>
+            <a:r>
+              <a:rPr lang="en-US" dirty="0"/>
+              <a:t>Designing for the Graph Model</a:t>
+            </a:r>
+          </a:p>
+          <a:p>
+            <a:r>
+              <a:rPr lang="en-US" dirty="0"/>
+              <a:t>Graph </a:t>
+            </a:r>
+            <a:r>
+              <a:rPr lang="en-US"/>
+              <a:t>Data Science</a:t>
+            </a:r>
             <a:endParaRPr lang="en-US" dirty="0"/>
           </a:p>
           <a:p>
